--- a/Eval == Evil.pptx
+++ b/Eval == Evil.pptx
@@ -111,6 +111,11 @@
       </a:defRPr>
     </a:lvl9pPr>
   </p:defaultTextStyle>
+  <p:extLst>
+    <p:ext uri="{EFAFB233-063F-42B5-8137-9DF3F51BA10A}">
+      <p15:sldGuideLst xmlns:p15="http://schemas.microsoft.com/office/powerpoint/2012/main"/>
+    </p:ext>
+  </p:extLst>
 </p:presentation>
 </file>
 
@@ -156,10 +161,9 @@
           </a:lstStyle>
           <a:p>
             <a:r>
-              <a:rPr lang="ru-RU" smtClean="0"/>
+              <a:rPr lang="ru-RU"/>
               <a:t>Образец заголовка</a:t>
             </a:r>
-            <a:endParaRPr lang="ru-RU"/>
           </a:p>
         </p:txBody>
       </p:sp>
@@ -221,10 +225,9 @@
           </a:lstStyle>
           <a:p>
             <a:r>
-              <a:rPr lang="ru-RU" smtClean="0"/>
+              <a:rPr lang="ru-RU"/>
               <a:t>Образец подзаголовка</a:t>
             </a:r>
-            <a:endParaRPr lang="ru-RU"/>
           </a:p>
         </p:txBody>
       </p:sp>
@@ -245,7 +248,7 @@
           <a:p>
             <a:fld id="{4E5454CB-8834-41FF-879B-195313789141}" type="datetimeFigureOut">
               <a:rPr lang="ru-RU" smtClean="0"/>
-              <a:t>01.12.2019</a:t>
+              <a:t>02.12.2019</a:t>
             </a:fld>
             <a:endParaRPr lang="ru-RU"/>
           </a:p>
@@ -339,10 +342,9 @@
           <a:lstStyle/>
           <a:p>
             <a:r>
-              <a:rPr lang="ru-RU" smtClean="0"/>
+              <a:rPr lang="ru-RU"/>
               <a:t>Образец заголовка</a:t>
             </a:r>
-            <a:endParaRPr lang="ru-RU"/>
           </a:p>
         </p:txBody>
       </p:sp>
@@ -363,38 +365,37 @@
           <a:p>
             <a:pPr lvl="0"/>
             <a:r>
-              <a:rPr lang="ru-RU" smtClean="0"/>
+              <a:rPr lang="ru-RU"/>
               <a:t>Образец текста</a:t>
             </a:r>
           </a:p>
           <a:p>
             <a:pPr lvl="1"/>
             <a:r>
-              <a:rPr lang="ru-RU" smtClean="0"/>
+              <a:rPr lang="ru-RU"/>
               <a:t>Второй уровень</a:t>
             </a:r>
           </a:p>
           <a:p>
             <a:pPr lvl="2"/>
             <a:r>
-              <a:rPr lang="ru-RU" smtClean="0"/>
+              <a:rPr lang="ru-RU"/>
               <a:t>Третий уровень</a:t>
             </a:r>
           </a:p>
           <a:p>
             <a:pPr lvl="3"/>
             <a:r>
-              <a:rPr lang="ru-RU" smtClean="0"/>
+              <a:rPr lang="ru-RU"/>
               <a:t>Четвертый уровень</a:t>
             </a:r>
           </a:p>
           <a:p>
             <a:pPr lvl="4"/>
             <a:r>
-              <a:rPr lang="ru-RU" smtClean="0"/>
+              <a:rPr lang="ru-RU"/>
               <a:t>Пятый уровень</a:t>
             </a:r>
-            <a:endParaRPr lang="ru-RU"/>
           </a:p>
         </p:txBody>
       </p:sp>
@@ -415,7 +416,7 @@
           <a:p>
             <a:fld id="{4E5454CB-8834-41FF-879B-195313789141}" type="datetimeFigureOut">
               <a:rPr lang="ru-RU" smtClean="0"/>
-              <a:t>01.12.2019</a:t>
+              <a:t>02.12.2019</a:t>
             </a:fld>
             <a:endParaRPr lang="ru-RU"/>
           </a:p>
@@ -514,10 +515,9 @@
           <a:lstStyle/>
           <a:p>
             <a:r>
-              <a:rPr lang="ru-RU" smtClean="0"/>
+              <a:rPr lang="ru-RU"/>
               <a:t>Образец заголовка</a:t>
             </a:r>
-            <a:endParaRPr lang="ru-RU"/>
           </a:p>
         </p:txBody>
       </p:sp>
@@ -543,38 +543,37 @@
           <a:p>
             <a:pPr lvl="0"/>
             <a:r>
-              <a:rPr lang="ru-RU" smtClean="0"/>
+              <a:rPr lang="ru-RU"/>
               <a:t>Образец текста</a:t>
             </a:r>
           </a:p>
           <a:p>
             <a:pPr lvl="1"/>
             <a:r>
-              <a:rPr lang="ru-RU" smtClean="0"/>
+              <a:rPr lang="ru-RU"/>
               <a:t>Второй уровень</a:t>
             </a:r>
           </a:p>
           <a:p>
             <a:pPr lvl="2"/>
             <a:r>
-              <a:rPr lang="ru-RU" smtClean="0"/>
+              <a:rPr lang="ru-RU"/>
               <a:t>Третий уровень</a:t>
             </a:r>
           </a:p>
           <a:p>
             <a:pPr lvl="3"/>
             <a:r>
-              <a:rPr lang="ru-RU" smtClean="0"/>
+              <a:rPr lang="ru-RU"/>
               <a:t>Четвертый уровень</a:t>
             </a:r>
           </a:p>
           <a:p>
             <a:pPr lvl="4"/>
             <a:r>
-              <a:rPr lang="ru-RU" smtClean="0"/>
+              <a:rPr lang="ru-RU"/>
               <a:t>Пятый уровень</a:t>
             </a:r>
-            <a:endParaRPr lang="ru-RU"/>
           </a:p>
         </p:txBody>
       </p:sp>
@@ -595,7 +594,7 @@
           <a:p>
             <a:fld id="{4E5454CB-8834-41FF-879B-195313789141}" type="datetimeFigureOut">
               <a:rPr lang="ru-RU" smtClean="0"/>
-              <a:t>01.12.2019</a:t>
+              <a:t>02.12.2019</a:t>
             </a:fld>
             <a:endParaRPr lang="ru-RU"/>
           </a:p>
@@ -689,10 +688,9 @@
           <a:lstStyle/>
           <a:p>
             <a:r>
-              <a:rPr lang="ru-RU" smtClean="0"/>
+              <a:rPr lang="ru-RU"/>
               <a:t>Образец заголовка</a:t>
             </a:r>
-            <a:endParaRPr lang="ru-RU"/>
           </a:p>
         </p:txBody>
       </p:sp>
@@ -713,38 +711,37 @@
           <a:p>
             <a:pPr lvl="0"/>
             <a:r>
-              <a:rPr lang="ru-RU" smtClean="0"/>
+              <a:rPr lang="ru-RU"/>
               <a:t>Образец текста</a:t>
             </a:r>
           </a:p>
           <a:p>
             <a:pPr lvl="1"/>
             <a:r>
-              <a:rPr lang="ru-RU" smtClean="0"/>
+              <a:rPr lang="ru-RU"/>
               <a:t>Второй уровень</a:t>
             </a:r>
           </a:p>
           <a:p>
             <a:pPr lvl="2"/>
             <a:r>
-              <a:rPr lang="ru-RU" smtClean="0"/>
+              <a:rPr lang="ru-RU"/>
               <a:t>Третий уровень</a:t>
             </a:r>
           </a:p>
           <a:p>
             <a:pPr lvl="3"/>
             <a:r>
-              <a:rPr lang="ru-RU" smtClean="0"/>
+              <a:rPr lang="ru-RU"/>
               <a:t>Четвертый уровень</a:t>
             </a:r>
           </a:p>
           <a:p>
             <a:pPr lvl="4"/>
             <a:r>
-              <a:rPr lang="ru-RU" smtClean="0"/>
+              <a:rPr lang="ru-RU"/>
               <a:t>Пятый уровень</a:t>
             </a:r>
-            <a:endParaRPr lang="ru-RU"/>
           </a:p>
         </p:txBody>
       </p:sp>
@@ -765,7 +762,7 @@
           <a:p>
             <a:fld id="{4E5454CB-8834-41FF-879B-195313789141}" type="datetimeFigureOut">
               <a:rPr lang="ru-RU" smtClean="0"/>
-              <a:t>01.12.2019</a:t>
+              <a:t>02.12.2019</a:t>
             </a:fld>
             <a:endParaRPr lang="ru-RU"/>
           </a:p>
@@ -868,10 +865,9 @@
           </a:lstStyle>
           <a:p>
             <a:r>
-              <a:rPr lang="ru-RU" smtClean="0"/>
+              <a:rPr lang="ru-RU"/>
               <a:t>Образец заголовка</a:t>
             </a:r>
-            <a:endParaRPr lang="ru-RU"/>
           </a:p>
         </p:txBody>
       </p:sp>
@@ -988,7 +984,7 @@
           <a:p>
             <a:pPr lvl="0"/>
             <a:r>
-              <a:rPr lang="ru-RU" smtClean="0"/>
+              <a:rPr lang="ru-RU"/>
               <a:t>Образец текста</a:t>
             </a:r>
           </a:p>
@@ -1011,7 +1007,7 @@
           <a:p>
             <a:fld id="{4E5454CB-8834-41FF-879B-195313789141}" type="datetimeFigureOut">
               <a:rPr lang="ru-RU" smtClean="0"/>
-              <a:t>01.12.2019</a:t>
+              <a:t>02.12.2019</a:t>
             </a:fld>
             <a:endParaRPr lang="ru-RU"/>
           </a:p>
@@ -1105,10 +1101,9 @@
           <a:lstStyle/>
           <a:p>
             <a:r>
-              <a:rPr lang="ru-RU" smtClean="0"/>
+              <a:rPr lang="ru-RU"/>
               <a:t>Образец заголовка</a:t>
             </a:r>
-            <a:endParaRPr lang="ru-RU"/>
           </a:p>
         </p:txBody>
       </p:sp>
@@ -1134,38 +1129,37 @@
           <a:p>
             <a:pPr lvl="0"/>
             <a:r>
-              <a:rPr lang="ru-RU" smtClean="0"/>
+              <a:rPr lang="ru-RU"/>
               <a:t>Образец текста</a:t>
             </a:r>
           </a:p>
           <a:p>
             <a:pPr lvl="1"/>
             <a:r>
-              <a:rPr lang="ru-RU" smtClean="0"/>
+              <a:rPr lang="ru-RU"/>
               <a:t>Второй уровень</a:t>
             </a:r>
           </a:p>
           <a:p>
             <a:pPr lvl="2"/>
             <a:r>
-              <a:rPr lang="ru-RU" smtClean="0"/>
+              <a:rPr lang="ru-RU"/>
               <a:t>Третий уровень</a:t>
             </a:r>
           </a:p>
           <a:p>
             <a:pPr lvl="3"/>
             <a:r>
-              <a:rPr lang="ru-RU" smtClean="0"/>
+              <a:rPr lang="ru-RU"/>
               <a:t>Четвертый уровень</a:t>
             </a:r>
           </a:p>
           <a:p>
             <a:pPr lvl="4"/>
             <a:r>
-              <a:rPr lang="ru-RU" smtClean="0"/>
+              <a:rPr lang="ru-RU"/>
               <a:t>Пятый уровень</a:t>
             </a:r>
-            <a:endParaRPr lang="ru-RU"/>
           </a:p>
         </p:txBody>
       </p:sp>
@@ -1191,38 +1185,37 @@
           <a:p>
             <a:pPr lvl="0"/>
             <a:r>
-              <a:rPr lang="ru-RU" smtClean="0"/>
+              <a:rPr lang="ru-RU"/>
               <a:t>Образец текста</a:t>
             </a:r>
           </a:p>
           <a:p>
             <a:pPr lvl="1"/>
             <a:r>
-              <a:rPr lang="ru-RU" smtClean="0"/>
+              <a:rPr lang="ru-RU"/>
               <a:t>Второй уровень</a:t>
             </a:r>
           </a:p>
           <a:p>
             <a:pPr lvl="2"/>
             <a:r>
-              <a:rPr lang="ru-RU" smtClean="0"/>
+              <a:rPr lang="ru-RU"/>
               <a:t>Третий уровень</a:t>
             </a:r>
           </a:p>
           <a:p>
             <a:pPr lvl="3"/>
             <a:r>
-              <a:rPr lang="ru-RU" smtClean="0"/>
+              <a:rPr lang="ru-RU"/>
               <a:t>Четвертый уровень</a:t>
             </a:r>
           </a:p>
           <a:p>
             <a:pPr lvl="4"/>
             <a:r>
-              <a:rPr lang="ru-RU" smtClean="0"/>
+              <a:rPr lang="ru-RU"/>
               <a:t>Пятый уровень</a:t>
             </a:r>
-            <a:endParaRPr lang="ru-RU"/>
           </a:p>
         </p:txBody>
       </p:sp>
@@ -1243,7 +1236,7 @@
           <a:p>
             <a:fld id="{4E5454CB-8834-41FF-879B-195313789141}" type="datetimeFigureOut">
               <a:rPr lang="ru-RU" smtClean="0"/>
-              <a:t>01.12.2019</a:t>
+              <a:t>02.12.2019</a:t>
             </a:fld>
             <a:endParaRPr lang="ru-RU"/>
           </a:p>
@@ -1342,10 +1335,9 @@
           <a:lstStyle/>
           <a:p>
             <a:r>
-              <a:rPr lang="ru-RU" smtClean="0"/>
+              <a:rPr lang="ru-RU"/>
               <a:t>Образец заголовка</a:t>
             </a:r>
-            <a:endParaRPr lang="ru-RU"/>
           </a:p>
         </p:txBody>
       </p:sp>
@@ -1408,7 +1400,7 @@
           <a:p>
             <a:pPr lvl="0"/>
             <a:r>
-              <a:rPr lang="ru-RU" smtClean="0"/>
+              <a:rPr lang="ru-RU"/>
               <a:t>Образец текста</a:t>
             </a:r>
           </a:p>
@@ -1436,38 +1428,37 @@
           <a:p>
             <a:pPr lvl="0"/>
             <a:r>
-              <a:rPr lang="ru-RU" smtClean="0"/>
+              <a:rPr lang="ru-RU"/>
               <a:t>Образец текста</a:t>
             </a:r>
           </a:p>
           <a:p>
             <a:pPr lvl="1"/>
             <a:r>
-              <a:rPr lang="ru-RU" smtClean="0"/>
+              <a:rPr lang="ru-RU"/>
               <a:t>Второй уровень</a:t>
             </a:r>
           </a:p>
           <a:p>
             <a:pPr lvl="2"/>
             <a:r>
-              <a:rPr lang="ru-RU" smtClean="0"/>
+              <a:rPr lang="ru-RU"/>
               <a:t>Третий уровень</a:t>
             </a:r>
           </a:p>
           <a:p>
             <a:pPr lvl="3"/>
             <a:r>
-              <a:rPr lang="ru-RU" smtClean="0"/>
+              <a:rPr lang="ru-RU"/>
               <a:t>Четвертый уровень</a:t>
             </a:r>
           </a:p>
           <a:p>
             <a:pPr lvl="4"/>
             <a:r>
-              <a:rPr lang="ru-RU" smtClean="0"/>
+              <a:rPr lang="ru-RU"/>
               <a:t>Пятый уровень</a:t>
             </a:r>
-            <a:endParaRPr lang="ru-RU"/>
           </a:p>
         </p:txBody>
       </p:sp>
@@ -1530,7 +1521,7 @@
           <a:p>
             <a:pPr lvl="0"/>
             <a:r>
-              <a:rPr lang="ru-RU" smtClean="0"/>
+              <a:rPr lang="ru-RU"/>
               <a:t>Образец текста</a:t>
             </a:r>
           </a:p>
@@ -1558,38 +1549,37 @@
           <a:p>
             <a:pPr lvl="0"/>
             <a:r>
-              <a:rPr lang="ru-RU" smtClean="0"/>
+              <a:rPr lang="ru-RU"/>
               <a:t>Образец текста</a:t>
             </a:r>
           </a:p>
           <a:p>
             <a:pPr lvl="1"/>
             <a:r>
-              <a:rPr lang="ru-RU" smtClean="0"/>
+              <a:rPr lang="ru-RU"/>
               <a:t>Второй уровень</a:t>
             </a:r>
           </a:p>
           <a:p>
             <a:pPr lvl="2"/>
             <a:r>
-              <a:rPr lang="ru-RU" smtClean="0"/>
+              <a:rPr lang="ru-RU"/>
               <a:t>Третий уровень</a:t>
             </a:r>
           </a:p>
           <a:p>
             <a:pPr lvl="3"/>
             <a:r>
-              <a:rPr lang="ru-RU" smtClean="0"/>
+              <a:rPr lang="ru-RU"/>
               <a:t>Четвертый уровень</a:t>
             </a:r>
           </a:p>
           <a:p>
             <a:pPr lvl="4"/>
             <a:r>
-              <a:rPr lang="ru-RU" smtClean="0"/>
+              <a:rPr lang="ru-RU"/>
               <a:t>Пятый уровень</a:t>
             </a:r>
-            <a:endParaRPr lang="ru-RU"/>
           </a:p>
         </p:txBody>
       </p:sp>
@@ -1610,7 +1600,7 @@
           <a:p>
             <a:fld id="{4E5454CB-8834-41FF-879B-195313789141}" type="datetimeFigureOut">
               <a:rPr lang="ru-RU" smtClean="0"/>
-              <a:t>01.12.2019</a:t>
+              <a:t>02.12.2019</a:t>
             </a:fld>
             <a:endParaRPr lang="ru-RU"/>
           </a:p>
@@ -1704,10 +1694,9 @@
           <a:lstStyle/>
           <a:p>
             <a:r>
-              <a:rPr lang="ru-RU" smtClean="0"/>
+              <a:rPr lang="ru-RU"/>
               <a:t>Образец заголовка</a:t>
             </a:r>
-            <a:endParaRPr lang="ru-RU"/>
           </a:p>
         </p:txBody>
       </p:sp>
@@ -1728,7 +1717,7 @@
           <a:p>
             <a:fld id="{4E5454CB-8834-41FF-879B-195313789141}" type="datetimeFigureOut">
               <a:rPr lang="ru-RU" smtClean="0"/>
-              <a:t>01.12.2019</a:t>
+              <a:t>02.12.2019</a:t>
             </a:fld>
             <a:endParaRPr lang="ru-RU"/>
           </a:p>
@@ -1823,7 +1812,7 @@
           <a:p>
             <a:fld id="{4E5454CB-8834-41FF-879B-195313789141}" type="datetimeFigureOut">
               <a:rPr lang="ru-RU" smtClean="0"/>
-              <a:t>01.12.2019</a:t>
+              <a:t>02.12.2019</a:t>
             </a:fld>
             <a:endParaRPr lang="ru-RU"/>
           </a:p>
@@ -1926,10 +1915,9 @@
           </a:lstStyle>
           <a:p>
             <a:r>
-              <a:rPr lang="ru-RU" smtClean="0"/>
+              <a:rPr lang="ru-RU"/>
               <a:t>Образец заголовка</a:t>
             </a:r>
-            <a:endParaRPr lang="ru-RU"/>
           </a:p>
         </p:txBody>
       </p:sp>
@@ -1983,38 +1971,37 @@
           <a:p>
             <a:pPr lvl="0"/>
             <a:r>
-              <a:rPr lang="ru-RU" smtClean="0"/>
+              <a:rPr lang="ru-RU"/>
               <a:t>Образец текста</a:t>
             </a:r>
           </a:p>
           <a:p>
             <a:pPr lvl="1"/>
             <a:r>
-              <a:rPr lang="ru-RU" smtClean="0"/>
+              <a:rPr lang="ru-RU"/>
               <a:t>Второй уровень</a:t>
             </a:r>
           </a:p>
           <a:p>
             <a:pPr lvl="2"/>
             <a:r>
-              <a:rPr lang="ru-RU" smtClean="0"/>
+              <a:rPr lang="ru-RU"/>
               <a:t>Третий уровень</a:t>
             </a:r>
           </a:p>
           <a:p>
             <a:pPr lvl="3"/>
             <a:r>
-              <a:rPr lang="ru-RU" smtClean="0"/>
+              <a:rPr lang="ru-RU"/>
               <a:t>Четвертый уровень</a:t>
             </a:r>
           </a:p>
           <a:p>
             <a:pPr lvl="4"/>
             <a:r>
-              <a:rPr lang="ru-RU" smtClean="0"/>
+              <a:rPr lang="ru-RU"/>
               <a:t>Пятый уровень</a:t>
             </a:r>
-            <a:endParaRPr lang="ru-RU"/>
           </a:p>
         </p:txBody>
       </p:sp>
@@ -2077,7 +2064,7 @@
           <a:p>
             <a:pPr lvl="0"/>
             <a:r>
-              <a:rPr lang="ru-RU" smtClean="0"/>
+              <a:rPr lang="ru-RU"/>
               <a:t>Образец текста</a:t>
             </a:r>
           </a:p>
@@ -2100,7 +2087,7 @@
           <a:p>
             <a:fld id="{4E5454CB-8834-41FF-879B-195313789141}" type="datetimeFigureOut">
               <a:rPr lang="ru-RU" smtClean="0"/>
-              <a:t>01.12.2019</a:t>
+              <a:t>02.12.2019</a:t>
             </a:fld>
             <a:endParaRPr lang="ru-RU"/>
           </a:p>
@@ -2203,10 +2190,9 @@
           </a:lstStyle>
           <a:p>
             <a:r>
-              <a:rPr lang="ru-RU" smtClean="0"/>
+              <a:rPr lang="ru-RU"/>
               <a:t>Образец заголовка</a:t>
             </a:r>
-            <a:endParaRPr lang="ru-RU"/>
           </a:p>
         </p:txBody>
       </p:sp>
@@ -2330,7 +2316,7 @@
           <a:p>
             <a:pPr lvl="0"/>
             <a:r>
-              <a:rPr lang="ru-RU" smtClean="0"/>
+              <a:rPr lang="ru-RU"/>
               <a:t>Образец текста</a:t>
             </a:r>
           </a:p>
@@ -2353,7 +2339,7 @@
           <a:p>
             <a:fld id="{4E5454CB-8834-41FF-879B-195313789141}" type="datetimeFigureOut">
               <a:rPr lang="ru-RU" smtClean="0"/>
-              <a:t>01.12.2019</a:t>
+              <a:t>02.12.2019</a:t>
             </a:fld>
             <a:endParaRPr lang="ru-RU"/>
           </a:p>
@@ -2462,10 +2448,9 @@
           <a:lstStyle/>
           <a:p>
             <a:r>
-              <a:rPr lang="ru-RU" smtClean="0"/>
+              <a:rPr lang="ru-RU"/>
               <a:t>Образец заголовка</a:t>
             </a:r>
-            <a:endParaRPr lang="ru-RU"/>
           </a:p>
         </p:txBody>
       </p:sp>
@@ -2496,38 +2481,37 @@
           <a:p>
             <a:pPr lvl="0"/>
             <a:r>
-              <a:rPr lang="ru-RU" smtClean="0"/>
+              <a:rPr lang="ru-RU"/>
               <a:t>Образец текста</a:t>
             </a:r>
           </a:p>
           <a:p>
             <a:pPr lvl="1"/>
             <a:r>
-              <a:rPr lang="ru-RU" smtClean="0"/>
+              <a:rPr lang="ru-RU"/>
               <a:t>Второй уровень</a:t>
             </a:r>
           </a:p>
           <a:p>
             <a:pPr lvl="2"/>
             <a:r>
-              <a:rPr lang="ru-RU" smtClean="0"/>
+              <a:rPr lang="ru-RU"/>
               <a:t>Третий уровень</a:t>
             </a:r>
           </a:p>
           <a:p>
             <a:pPr lvl="3"/>
             <a:r>
-              <a:rPr lang="ru-RU" smtClean="0"/>
+              <a:rPr lang="ru-RU"/>
               <a:t>Четвертый уровень</a:t>
             </a:r>
           </a:p>
           <a:p>
             <a:pPr lvl="4"/>
             <a:r>
-              <a:rPr lang="ru-RU" smtClean="0"/>
+              <a:rPr lang="ru-RU"/>
               <a:t>Пятый уровень</a:t>
             </a:r>
-            <a:endParaRPr lang="ru-RU"/>
           </a:p>
         </p:txBody>
       </p:sp>
@@ -2566,7 +2550,7 @@
           <a:p>
             <a:fld id="{4E5454CB-8834-41FF-879B-195313789141}" type="datetimeFigureOut">
               <a:rPr lang="ru-RU" smtClean="0"/>
-              <a:t>01.12.2019</a:t>
+              <a:t>02.12.2019</a:t>
             </a:fld>
             <a:endParaRPr lang="ru-RU"/>
           </a:p>
@@ -2994,11 +2978,11 @@
           <a:lstStyle/>
           <a:p>
             <a:r>
-              <a:rPr lang="en-US" sz="8000" dirty="0" err="1" smtClean="0"/>
+              <a:rPr lang="en-US" sz="8000" dirty="0" err="1"/>
               <a:t>Eval</a:t>
             </a:r>
             <a:r>
-              <a:rPr lang="en-US" sz="8000" dirty="0" smtClean="0"/>
+              <a:rPr lang="en-US" sz="8000" dirty="0"/>
               <a:t> == Evil?</a:t>
             </a:r>
             <a:endParaRPr lang="ru-RU" sz="8000" dirty="0"/>
@@ -3015,13 +2999,6 @@
   <p:clrMapOvr>
     <a:masterClrMapping/>
   </p:clrMapOvr>
-  <p:timing>
-    <p:tnLst>
-      <p:par>
-        <p:cTn id="1" dur="indefinite" restart="never" nodeType="tmRoot"/>
-      </p:par>
-    </p:tnLst>
-  </p:timing>
 </p:sld>
 </file>
 
@@ -3058,10 +3035,9 @@
           <a:lstStyle/>
           <a:p>
             <a:r>
-              <a:rPr lang="ru-RU" dirty="0" smtClean="0"/>
+              <a:rPr lang="ru-RU" dirty="0"/>
               <a:t>Безопасность</a:t>
             </a:r>
-            <a:endParaRPr lang="ru-RU" dirty="0"/>
           </a:p>
         </p:txBody>
       </p:sp>
@@ -3087,7 +3063,7 @@
           <a:lstStyle/>
           <a:p>
             <a:r>
-              <a:rPr lang="ru-RU" sz="2400" dirty="0" smtClean="0"/>
+              <a:rPr lang="ru-RU" sz="2400" dirty="0"/>
               <a:t>Позволяет исполнять любой код, имея полный доступ к своему замыканию.</a:t>
             </a:r>
           </a:p>
@@ -3096,7 +3072,7 @@
           </a:p>
           <a:p>
             <a:r>
-              <a:rPr lang="ru-RU" sz="2400" dirty="0" smtClean="0"/>
+              <a:rPr lang="ru-RU" sz="2400" dirty="0"/>
               <a:t>Следовательно:</a:t>
             </a:r>
             <a:endParaRPr lang="en-US" sz="2400" dirty="0"/>
@@ -3107,19 +3083,19 @@
               <a:buChar char="•"/>
             </a:pPr>
             <a:r>
-              <a:rPr lang="ru-RU" sz="2400" dirty="0" smtClean="0"/>
+              <a:rPr lang="ru-RU" sz="2400" dirty="0"/>
               <a:t>Опасно обрабатывать любой пользовательский ввод с помощью</a:t>
             </a:r>
             <a:r>
-              <a:rPr lang="en-US" sz="2400" dirty="0" smtClean="0"/>
+              <a:rPr lang="en-US" sz="2400" dirty="0"/>
               <a:t> </a:t>
             </a:r>
             <a:r>
-              <a:rPr lang="en-US" sz="2400" dirty="0" err="1" smtClean="0"/>
+              <a:rPr lang="en-US" sz="2400" dirty="0" err="1"/>
               <a:t>eval</a:t>
             </a:r>
             <a:r>
-              <a:rPr lang="ru-RU" sz="2400" dirty="0" smtClean="0"/>
+              <a:rPr lang="ru-RU" sz="2400" dirty="0"/>
               <a:t>;</a:t>
             </a:r>
           </a:p>
@@ -3129,21 +3105,21 @@
               <a:buChar char="•"/>
             </a:pPr>
             <a:r>
-              <a:rPr lang="ru-RU" sz="2400" dirty="0" smtClean="0"/>
+              <a:rPr lang="ru-RU" sz="2400" dirty="0"/>
               <a:t>Код полученный к выполнению с сервера не должен быть скомпрометирован или модифицирован злоумышленником</a:t>
             </a:r>
             <a:r>
-              <a:rPr lang="en-US" sz="2400" dirty="0" smtClean="0"/>
+              <a:rPr lang="en-US" sz="2400" dirty="0"/>
               <a:t>;</a:t>
             </a:r>
-            <a:endParaRPr lang="ru-RU" sz="2400" dirty="0" smtClean="0"/>
+            <a:endParaRPr lang="ru-RU" sz="2400" dirty="0"/>
           </a:p>
           <a:p>
             <a:pPr marL="342900" indent="-342900">
               <a:buFont typeface="Arial" panose="020B0604020202020204" pitchFamily="34" charset="0"/>
               <a:buChar char="•"/>
             </a:pPr>
-            <a:endParaRPr lang="en-US" sz="2400" dirty="0" smtClean="0"/>
+            <a:endParaRPr lang="en-US" sz="2400" dirty="0"/>
           </a:p>
         </p:txBody>
       </p:sp>
@@ -3157,13 +3133,6 @@
   <p:clrMapOvr>
     <a:masterClrMapping/>
   </p:clrMapOvr>
-  <p:timing>
-    <p:tnLst>
-      <p:par>
-        <p:cTn id="1" dur="indefinite" restart="never" nodeType="tmRoot"/>
-      </p:par>
-    </p:tnLst>
-  </p:timing>
 </p:sld>
 </file>
 
@@ -3200,10 +3169,9 @@
           <a:lstStyle/>
           <a:p>
             <a:r>
-              <a:rPr lang="ru-RU" dirty="0" smtClean="0"/>
+              <a:rPr lang="ru-RU" dirty="0"/>
               <a:t>Безопасность</a:t>
             </a:r>
-            <a:endParaRPr lang="ru-RU" dirty="0"/>
           </a:p>
         </p:txBody>
       </p:sp>
@@ -3229,7 +3197,7 @@
           <a:lstStyle/>
           <a:p>
             <a:r>
-              <a:rPr lang="en-US" sz="2000" b="1" dirty="0" smtClean="0">
+              <a:rPr lang="en-US" sz="2000" b="1" dirty="0">
                 <a:solidFill>
                   <a:srgbClr val="073642"/>
                 </a:solidFill>
@@ -3239,7 +3207,7 @@
               <a:t>function</a:t>
             </a:r>
             <a:r>
-              <a:rPr lang="en-US" sz="2000" b="0" dirty="0" smtClean="0">
+              <a:rPr lang="en-US" sz="2000" b="0" dirty="0">
                 <a:solidFill>
                   <a:srgbClr val="333333"/>
                 </a:solidFill>
@@ -3249,7 +3217,7 @@
               <a:t> </a:t>
             </a:r>
             <a:r>
-              <a:rPr lang="en-US" sz="2000" b="0" dirty="0" err="1" smtClean="0">
+              <a:rPr lang="en-US" sz="2000" b="0" dirty="0" err="1">
                 <a:solidFill>
                   <a:srgbClr val="268BD2"/>
                 </a:solidFill>
@@ -3259,7 +3227,7 @@
               <a:t>isChecked</a:t>
             </a:r>
             <a:r>
-              <a:rPr lang="en-US" sz="2000" b="0" dirty="0" smtClean="0">
+              <a:rPr lang="en-US" sz="2000" b="0" dirty="0">
                 <a:solidFill>
                   <a:srgbClr val="333333"/>
                 </a:solidFill>
@@ -3269,7 +3237,7 @@
               <a:t>(</a:t>
             </a:r>
             <a:r>
-              <a:rPr lang="en-US" sz="2000" b="0" dirty="0" err="1" smtClean="0">
+              <a:rPr lang="en-US" sz="2000" b="0" dirty="0" err="1">
                 <a:solidFill>
                   <a:srgbClr val="333333"/>
                 </a:solidFill>
@@ -3279,7 +3247,7 @@
               <a:t>optionNumber</a:t>
             </a:r>
             <a:r>
-              <a:rPr lang="en-US" sz="2000" b="0" dirty="0" smtClean="0">
+              <a:rPr lang="en-US" sz="2000" b="0" dirty="0">
                 <a:solidFill>
                   <a:srgbClr val="333333"/>
                 </a:solidFill>
@@ -3291,7 +3259,7 @@
           </a:p>
           <a:p>
             <a:r>
-              <a:rPr lang="en-US" sz="2000" b="0" dirty="0" smtClean="0">
+              <a:rPr lang="en-US" sz="2000" b="0" dirty="0">
                 <a:solidFill>
                   <a:srgbClr val="333333"/>
                 </a:solidFill>
@@ -3301,7 +3269,7 @@
               <a:t>    </a:t>
             </a:r>
             <a:r>
-              <a:rPr lang="en-US" sz="2000" b="0" dirty="0" smtClean="0">
+              <a:rPr lang="en-US" sz="2000" b="0" dirty="0">
                 <a:solidFill>
                   <a:srgbClr val="859900"/>
                 </a:solidFill>
@@ -3311,7 +3279,7 @@
               <a:t>return</a:t>
             </a:r>
             <a:r>
-              <a:rPr lang="en-US" sz="2000" b="0" dirty="0" smtClean="0">
+              <a:rPr lang="en-US" sz="2000" b="0" dirty="0">
                 <a:solidFill>
                   <a:srgbClr val="333333"/>
                 </a:solidFill>
@@ -3321,7 +3289,7 @@
               <a:t> </a:t>
             </a:r>
             <a:r>
-              <a:rPr lang="en-US" sz="2000" b="0" dirty="0" err="1" smtClean="0">
+              <a:rPr lang="en-US" sz="2000" b="0" dirty="0" err="1">
                 <a:solidFill>
                   <a:srgbClr val="268BD2"/>
                 </a:solidFill>
@@ -3331,7 +3299,7 @@
               <a:t>eval</a:t>
             </a:r>
             <a:r>
-              <a:rPr lang="en-US" sz="2000" b="0" dirty="0" smtClean="0">
+              <a:rPr lang="en-US" sz="2000" b="0" dirty="0">
                 <a:solidFill>
                   <a:srgbClr val="333333"/>
                 </a:solidFill>
@@ -3341,7 +3309,7 @@
               <a:t>(</a:t>
             </a:r>
             <a:r>
-              <a:rPr lang="en-US" sz="2000" b="0" dirty="0" smtClean="0">
+              <a:rPr lang="en-US" sz="2000" b="0" dirty="0">
                 <a:solidFill>
                   <a:srgbClr val="2AA198"/>
                 </a:solidFill>
@@ -3351,7 +3319,7 @@
               <a:t>"forms[0].option"</a:t>
             </a:r>
             <a:r>
-              <a:rPr lang="en-US" sz="2000" b="0" dirty="0" smtClean="0">
+              <a:rPr lang="en-US" sz="2000" b="0" dirty="0">
                 <a:solidFill>
                   <a:srgbClr val="333333"/>
                 </a:solidFill>
@@ -3361,7 +3329,7 @@
               <a:t> </a:t>
             </a:r>
             <a:r>
-              <a:rPr lang="en-US" sz="2000" b="0" dirty="0" smtClean="0">
+              <a:rPr lang="en-US" sz="2000" b="0" dirty="0">
                 <a:solidFill>
                   <a:srgbClr val="859900"/>
                 </a:solidFill>
@@ -3371,7 +3339,7 @@
               <a:t>+</a:t>
             </a:r>
             <a:r>
-              <a:rPr lang="en-US" sz="2000" b="0" dirty="0" smtClean="0">
+              <a:rPr lang="en-US" sz="2000" b="0" dirty="0">
                 <a:solidFill>
                   <a:srgbClr val="333333"/>
                 </a:solidFill>
@@ -3381,7 +3349,7 @@
               <a:t> </a:t>
             </a:r>
             <a:r>
-              <a:rPr lang="en-US" sz="2000" b="0" dirty="0" err="1" smtClean="0">
+              <a:rPr lang="en-US" sz="2000" b="0" dirty="0" err="1">
                 <a:solidFill>
                   <a:srgbClr val="268BD2"/>
                 </a:solidFill>
@@ -3391,7 +3359,7 @@
               <a:t>optionNumber</a:t>
             </a:r>
             <a:r>
-              <a:rPr lang="en-US" sz="2000" b="0" dirty="0" smtClean="0">
+              <a:rPr lang="en-US" sz="2000" b="0" dirty="0">
                 <a:solidFill>
                   <a:srgbClr val="333333"/>
                 </a:solidFill>
@@ -3401,7 +3369,7 @@
               <a:t> </a:t>
             </a:r>
             <a:r>
-              <a:rPr lang="en-US" sz="2000" b="0" dirty="0" smtClean="0">
+              <a:rPr lang="en-US" sz="2000" b="0" dirty="0">
                 <a:solidFill>
                   <a:srgbClr val="859900"/>
                 </a:solidFill>
@@ -3411,7 +3379,7 @@
               <a:t>+</a:t>
             </a:r>
             <a:r>
-              <a:rPr lang="en-US" sz="2000" b="0" dirty="0" smtClean="0">
+              <a:rPr lang="en-US" sz="2000" b="0" dirty="0">
                 <a:solidFill>
                   <a:srgbClr val="333333"/>
                 </a:solidFill>
@@ -3421,7 +3389,7 @@
               <a:t> </a:t>
             </a:r>
             <a:r>
-              <a:rPr lang="en-US" sz="2000" b="0" dirty="0" smtClean="0">
+              <a:rPr lang="en-US" sz="2000" b="0" dirty="0">
                 <a:solidFill>
                   <a:srgbClr val="2AA198"/>
                 </a:solidFill>
@@ -3431,7 +3399,7 @@
               <a:t>".checked"</a:t>
             </a:r>
             <a:r>
-              <a:rPr lang="en-US" sz="2000" b="0" dirty="0" smtClean="0">
+              <a:rPr lang="en-US" sz="2000" b="0" dirty="0">
                 <a:solidFill>
                   <a:srgbClr val="333333"/>
                 </a:solidFill>
@@ -3443,7 +3411,7 @@
           </a:p>
           <a:p>
             <a:r>
-              <a:rPr lang="en-US" sz="2000" b="0" dirty="0" smtClean="0">
+              <a:rPr lang="en-US" sz="2000" b="0" dirty="0">
                 <a:solidFill>
                   <a:srgbClr val="333333"/>
                 </a:solidFill>
@@ -3454,37 +3422,47 @@
             </a:r>
           </a:p>
           <a:p>
-            <a:r>
-              <a:rPr lang="en-US" sz="2000" b="0" dirty="0" smtClean="0">
+            <a:br>
+              <a:rPr lang="en-US" sz="2000" b="0" dirty="0">
                 <a:solidFill>
                   <a:srgbClr val="333333"/>
                 </a:solidFill>
                 <a:effectLst/>
                 <a:latin typeface="Consolas" panose="020B0609020204030204" pitchFamily="49" charset="0"/>
               </a:rPr>
-              <a:t/>
-            </a:r>
-            <a:br>
-              <a:rPr lang="en-US" sz="2000" b="0" dirty="0" smtClean="0">
+            </a:br>
+            <a:r>
+              <a:rPr lang="en-US" sz="2000" b="1" dirty="0" err="1">
+                <a:solidFill>
+                  <a:srgbClr val="073642"/>
+                </a:solidFill>
+                <a:effectLst/>
+                <a:latin typeface="Consolas" panose="020B0609020204030204" pitchFamily="49" charset="0"/>
+              </a:rPr>
+              <a:t>var</a:t>
+            </a:r>
+            <a:r>
+              <a:rPr lang="en-US" sz="2000" b="0" dirty="0">
                 <a:solidFill>
                   <a:srgbClr val="333333"/>
                 </a:solidFill>
                 <a:effectLst/>
                 <a:latin typeface="Consolas" panose="020B0609020204030204" pitchFamily="49" charset="0"/>
               </a:rPr>
-            </a:br>
-            <a:r>
-              <a:rPr lang="en-US" sz="2000" b="1" dirty="0" err="1" smtClean="0">
-                <a:solidFill>
-                  <a:srgbClr val="073642"/>
-                </a:solidFill>
-                <a:effectLst/>
-                <a:latin typeface="Consolas" panose="020B0609020204030204" pitchFamily="49" charset="0"/>
-              </a:rPr>
-              <a:t>var</a:t>
-            </a:r>
-            <a:r>
-              <a:rPr lang="en-US" sz="2000" b="0" dirty="0" smtClean="0">
+              <a:t> </a:t>
+            </a:r>
+            <a:r>
+              <a:rPr lang="en-US" sz="2000" b="0" dirty="0">
+                <a:solidFill>
+                  <a:srgbClr val="268BD2"/>
+                </a:solidFill>
+                <a:effectLst/>
+                <a:latin typeface="Consolas" panose="020B0609020204030204" pitchFamily="49" charset="0"/>
+              </a:rPr>
+              <a:t>result</a:t>
+            </a:r>
+            <a:r>
+              <a:rPr lang="en-US" sz="2000" b="0" dirty="0">
                 <a:solidFill>
                   <a:srgbClr val="333333"/>
                 </a:solidFill>
@@ -3494,92 +3472,65 @@
               <a:t> </a:t>
             </a:r>
             <a:r>
-              <a:rPr lang="en-US" sz="2000" b="0" dirty="0" smtClean="0">
+              <a:rPr lang="en-US" sz="2000" b="0" dirty="0">
+                <a:solidFill>
+                  <a:srgbClr val="859900"/>
+                </a:solidFill>
+                <a:effectLst/>
+                <a:latin typeface="Consolas" panose="020B0609020204030204" pitchFamily="49" charset="0"/>
+              </a:rPr>
+              <a:t>=</a:t>
+            </a:r>
+            <a:r>
+              <a:rPr lang="en-US" sz="2000" b="0" dirty="0">
+                <a:solidFill>
+                  <a:srgbClr val="333333"/>
+                </a:solidFill>
+                <a:effectLst/>
+                <a:latin typeface="Consolas" panose="020B0609020204030204" pitchFamily="49" charset="0"/>
+              </a:rPr>
+              <a:t> </a:t>
+            </a:r>
+            <a:r>
+              <a:rPr lang="en-US" sz="2000" b="0" dirty="0" err="1">
                 <a:solidFill>
                   <a:srgbClr val="268BD2"/>
                 </a:solidFill>
                 <a:effectLst/>
                 <a:latin typeface="Consolas" panose="020B0609020204030204" pitchFamily="49" charset="0"/>
               </a:rPr>
-              <a:t>result</a:t>
-            </a:r>
-            <a:r>
-              <a:rPr lang="en-US" sz="2000" b="0" dirty="0" smtClean="0">
+              <a:t>isChecked</a:t>
+            </a:r>
+            <a:r>
+              <a:rPr lang="en-US" sz="2000" b="0" dirty="0">
                 <a:solidFill>
                   <a:srgbClr val="333333"/>
                 </a:solidFill>
                 <a:effectLst/>
                 <a:latin typeface="Consolas" panose="020B0609020204030204" pitchFamily="49" charset="0"/>
               </a:rPr>
-              <a:t> </a:t>
-            </a:r>
-            <a:r>
-              <a:rPr lang="en-US" sz="2000" b="0" dirty="0" smtClean="0">
-                <a:solidFill>
-                  <a:srgbClr val="859900"/>
-                </a:solidFill>
-                <a:effectLst/>
-                <a:latin typeface="Consolas" panose="020B0609020204030204" pitchFamily="49" charset="0"/>
-              </a:rPr>
-              <a:t>=</a:t>
-            </a:r>
-            <a:r>
-              <a:rPr lang="en-US" sz="2000" b="0" dirty="0" smtClean="0">
+              <a:t>(</a:t>
+            </a:r>
+            <a:r>
+              <a:rPr lang="en-US" sz="2000" b="0" dirty="0">
+                <a:solidFill>
+                  <a:srgbClr val="D33682"/>
+                </a:solidFill>
+                <a:effectLst/>
+                <a:latin typeface="Consolas" panose="020B0609020204030204" pitchFamily="49" charset="0"/>
+              </a:rPr>
+              <a:t>1</a:t>
+            </a:r>
+            <a:r>
+              <a:rPr lang="en-US" sz="2000" b="0" dirty="0">
                 <a:solidFill>
                   <a:srgbClr val="333333"/>
                 </a:solidFill>
                 <a:effectLst/>
                 <a:latin typeface="Consolas" panose="020B0609020204030204" pitchFamily="49" charset="0"/>
               </a:rPr>
-              <a:t> </a:t>
-            </a:r>
-            <a:r>
-              <a:rPr lang="en-US" sz="2000" b="0" dirty="0" err="1" smtClean="0">
-                <a:solidFill>
-                  <a:srgbClr val="268BD2"/>
-                </a:solidFill>
-                <a:effectLst/>
-                <a:latin typeface="Consolas" panose="020B0609020204030204" pitchFamily="49" charset="0"/>
-              </a:rPr>
-              <a:t>isChecked</a:t>
-            </a:r>
-            <a:r>
-              <a:rPr lang="en-US" sz="2000" b="0" dirty="0" smtClean="0">
-                <a:solidFill>
-                  <a:srgbClr val="333333"/>
-                </a:solidFill>
-                <a:effectLst/>
-                <a:latin typeface="Consolas" panose="020B0609020204030204" pitchFamily="49" charset="0"/>
-              </a:rPr>
-              <a:t>(</a:t>
-            </a:r>
-            <a:r>
-              <a:rPr lang="en-US" sz="2000" b="0" dirty="0" smtClean="0">
-                <a:solidFill>
-                  <a:srgbClr val="D33682"/>
-                </a:solidFill>
-                <a:effectLst/>
-                <a:latin typeface="Consolas" panose="020B0609020204030204" pitchFamily="49" charset="0"/>
-              </a:rPr>
-              <a:t>1</a:t>
-            </a:r>
-            <a:r>
-              <a:rPr lang="en-US" sz="2000" b="0" dirty="0" smtClean="0">
-                <a:solidFill>
-                  <a:srgbClr val="333333"/>
-                </a:solidFill>
-                <a:effectLst/>
-                <a:latin typeface="Consolas" panose="020B0609020204030204" pitchFamily="49" charset="0"/>
-              </a:rPr>
               <a:t>); </a:t>
             </a:r>
-            <a:endParaRPr lang="en-US" sz="2000" b="0" dirty="0">
-              <a:solidFill>
-                <a:srgbClr val="333333"/>
-              </a:solidFill>
-              <a:effectLst/>
-              <a:latin typeface="Consolas" panose="020B0609020204030204" pitchFamily="49" charset="0"/>
-            </a:endParaRPr>
           </a:p>
         </p:txBody>
       </p:sp>
@@ -3605,7 +3556,7 @@
           <a:lstStyle/>
           <a:p>
             <a:r>
-              <a:rPr lang="en-US" sz="2000" b="1" dirty="0" smtClean="0">
+              <a:rPr lang="en-US" sz="2000" b="1" dirty="0">
                 <a:solidFill>
                   <a:srgbClr val="073642"/>
                 </a:solidFill>
@@ -3615,7 +3566,7 @@
               <a:t>function</a:t>
             </a:r>
             <a:r>
-              <a:rPr lang="en-US" sz="2000" b="0" dirty="0" smtClean="0">
+              <a:rPr lang="en-US" sz="2000" b="0" dirty="0">
                 <a:solidFill>
                   <a:srgbClr val="333333"/>
                 </a:solidFill>
@@ -3625,7 +3576,7 @@
               <a:t> </a:t>
             </a:r>
             <a:r>
-              <a:rPr lang="en-US" sz="2000" b="0" dirty="0" err="1" smtClean="0">
+              <a:rPr lang="en-US" sz="2000" b="0" dirty="0" err="1">
                 <a:solidFill>
                   <a:srgbClr val="268BD2"/>
                 </a:solidFill>
@@ -3635,7 +3586,7 @@
               <a:t>isChecked</a:t>
             </a:r>
             <a:r>
-              <a:rPr lang="en-US" sz="2000" b="0" dirty="0" smtClean="0">
+              <a:rPr lang="en-US" sz="2000" b="0" dirty="0">
                 <a:solidFill>
                   <a:srgbClr val="333333"/>
                 </a:solidFill>
@@ -3645,7 +3596,7 @@
               <a:t>(</a:t>
             </a:r>
             <a:r>
-              <a:rPr lang="en-US" sz="2000" b="0" dirty="0" err="1" smtClean="0">
+              <a:rPr lang="en-US" sz="2000" b="0" dirty="0" err="1">
                 <a:solidFill>
                   <a:srgbClr val="333333"/>
                 </a:solidFill>
@@ -3655,7 +3606,7 @@
               <a:t>optionNumber</a:t>
             </a:r>
             <a:r>
-              <a:rPr lang="en-US" sz="2000" b="0" dirty="0" smtClean="0">
+              <a:rPr lang="en-US" sz="2000" b="0" dirty="0">
                 <a:solidFill>
                   <a:srgbClr val="333333"/>
                 </a:solidFill>
@@ -3667,7 +3618,7 @@
           </a:p>
           <a:p>
             <a:r>
-              <a:rPr lang="en-US" sz="2000" b="0" dirty="0" smtClean="0">
+              <a:rPr lang="en-US" sz="2000" b="0" dirty="0">
                 <a:solidFill>
                   <a:srgbClr val="333333"/>
                 </a:solidFill>
@@ -3677,7 +3628,7 @@
               <a:t>    </a:t>
             </a:r>
             <a:r>
-              <a:rPr lang="en-US" sz="2000" b="0" dirty="0" smtClean="0">
+              <a:rPr lang="en-US" sz="2000" b="0" dirty="0">
                 <a:solidFill>
                   <a:srgbClr val="859900"/>
                 </a:solidFill>
@@ -3687,7 +3638,7 @@
               <a:t>return</a:t>
             </a:r>
             <a:r>
-              <a:rPr lang="en-US" sz="2000" b="0" dirty="0" smtClean="0">
+              <a:rPr lang="en-US" sz="2000" b="0" dirty="0">
                 <a:solidFill>
                   <a:srgbClr val="333333"/>
                 </a:solidFill>
@@ -3697,7 +3648,7 @@
               <a:t> </a:t>
             </a:r>
             <a:r>
-              <a:rPr lang="en-US" sz="2000" b="0" dirty="0" smtClean="0">
+              <a:rPr lang="en-US" sz="2000" b="0" dirty="0">
                 <a:solidFill>
                   <a:srgbClr val="268BD2"/>
                 </a:solidFill>
@@ -3707,7 +3658,7 @@
               <a:t>forms</a:t>
             </a:r>
             <a:r>
-              <a:rPr lang="en-US" sz="2000" b="0" dirty="0" smtClean="0">
+              <a:rPr lang="en-US" sz="2000" b="0" dirty="0">
                 <a:solidFill>
                   <a:srgbClr val="333333"/>
                 </a:solidFill>
@@ -3717,7 +3668,7 @@
               <a:t>[</a:t>
             </a:r>
             <a:r>
-              <a:rPr lang="en-US" sz="2000" b="0" dirty="0" smtClean="0">
+              <a:rPr lang="en-US" sz="2000" b="0" dirty="0">
                 <a:solidFill>
                   <a:srgbClr val="D33682"/>
                 </a:solidFill>
@@ -3727,7 +3678,7 @@
               <a:t>0</a:t>
             </a:r>
             <a:r>
-              <a:rPr lang="en-US" sz="2000" b="0" dirty="0" smtClean="0">
+              <a:rPr lang="en-US" sz="2000" b="0" dirty="0">
                 <a:solidFill>
                   <a:srgbClr val="333333"/>
                 </a:solidFill>
@@ -3737,7 +3688,7 @@
               <a:t>][</a:t>
             </a:r>
             <a:r>
-              <a:rPr lang="en-US" sz="2000" b="0" dirty="0" smtClean="0">
+              <a:rPr lang="en-US" sz="2000" b="0" dirty="0">
                 <a:solidFill>
                   <a:srgbClr val="2AA198"/>
                 </a:solidFill>
@@ -3747,7 +3698,7 @@
               <a:t>"option"</a:t>
             </a:r>
             <a:r>
-              <a:rPr lang="en-US" sz="2000" b="0" dirty="0" smtClean="0">
+              <a:rPr lang="en-US" sz="2000" b="0" dirty="0">
                 <a:solidFill>
                   <a:srgbClr val="333333"/>
                 </a:solidFill>
@@ -3757,7 +3708,7 @@
               <a:t> </a:t>
             </a:r>
             <a:r>
-              <a:rPr lang="en-US" sz="2000" b="0" dirty="0" smtClean="0">
+              <a:rPr lang="en-US" sz="2000" b="0" dirty="0">
                 <a:solidFill>
                   <a:srgbClr val="859900"/>
                 </a:solidFill>
@@ -3767,7 +3718,7 @@
               <a:t>+</a:t>
             </a:r>
             <a:r>
-              <a:rPr lang="en-US" sz="2000" b="0" dirty="0" smtClean="0">
+              <a:rPr lang="en-US" sz="2000" b="0" dirty="0">
                 <a:solidFill>
                   <a:srgbClr val="333333"/>
                 </a:solidFill>
@@ -3777,7 +3728,7 @@
               <a:t> </a:t>
             </a:r>
             <a:r>
-              <a:rPr lang="en-US" sz="2000" b="0" dirty="0" err="1" smtClean="0">
+              <a:rPr lang="en-US" sz="2000" b="0" dirty="0" err="1">
                 <a:solidFill>
                   <a:srgbClr val="268BD2"/>
                 </a:solidFill>
@@ -3787,7 +3738,7 @@
               <a:t>optionNumber</a:t>
             </a:r>
             <a:r>
-              <a:rPr lang="en-US" sz="2000" b="0" dirty="0" smtClean="0">
+              <a:rPr lang="en-US" sz="2000" b="0" dirty="0">
                 <a:solidFill>
                   <a:srgbClr val="333333"/>
                 </a:solidFill>
@@ -3797,7 +3748,7 @@
               <a:t>].</a:t>
             </a:r>
             <a:r>
-              <a:rPr lang="en-US" sz="2000" b="0" dirty="0" smtClean="0">
+              <a:rPr lang="en-US" sz="2000" b="0" dirty="0">
                 <a:solidFill>
                   <a:srgbClr val="268BD2"/>
                 </a:solidFill>
@@ -3807,7 +3758,7 @@
               <a:t>checked</a:t>
             </a:r>
             <a:r>
-              <a:rPr lang="en-US" sz="2000" b="0" dirty="0" smtClean="0">
+              <a:rPr lang="en-US" sz="2000" b="0" dirty="0">
                 <a:solidFill>
                   <a:srgbClr val="333333"/>
                 </a:solidFill>
@@ -3819,7 +3770,7 @@
           </a:p>
           <a:p>
             <a:r>
-              <a:rPr lang="en-US" sz="2000" b="0" dirty="0" smtClean="0">
+              <a:rPr lang="en-US" sz="2000" b="0" dirty="0">
                 <a:solidFill>
                   <a:srgbClr val="333333"/>
                 </a:solidFill>
@@ -3830,37 +3781,47 @@
             </a:r>
           </a:p>
           <a:p>
-            <a:r>
-              <a:rPr lang="en-US" sz="2000" b="0" dirty="0" smtClean="0">
+            <a:br>
+              <a:rPr lang="en-US" sz="2000" b="0" dirty="0">
                 <a:solidFill>
                   <a:srgbClr val="333333"/>
                 </a:solidFill>
                 <a:effectLst/>
                 <a:latin typeface="Consolas" panose="020B0609020204030204" pitchFamily="49" charset="0"/>
               </a:rPr>
-              <a:t/>
-            </a:r>
-            <a:br>
-              <a:rPr lang="en-US" sz="2000" b="0" dirty="0" smtClean="0">
+            </a:br>
+            <a:r>
+              <a:rPr lang="en-US" sz="2000" b="1" dirty="0" err="1">
+                <a:solidFill>
+                  <a:srgbClr val="073642"/>
+                </a:solidFill>
+                <a:effectLst/>
+                <a:latin typeface="Consolas" panose="020B0609020204030204" pitchFamily="49" charset="0"/>
+              </a:rPr>
+              <a:t>var</a:t>
+            </a:r>
+            <a:r>
+              <a:rPr lang="en-US" sz="2000" b="0" dirty="0">
                 <a:solidFill>
                   <a:srgbClr val="333333"/>
                 </a:solidFill>
                 <a:effectLst/>
                 <a:latin typeface="Consolas" panose="020B0609020204030204" pitchFamily="49" charset="0"/>
               </a:rPr>
-            </a:br>
-            <a:r>
-              <a:rPr lang="en-US" sz="2000" b="1" dirty="0" err="1" smtClean="0">
-                <a:solidFill>
-                  <a:srgbClr val="073642"/>
-                </a:solidFill>
-                <a:effectLst/>
-                <a:latin typeface="Consolas" panose="020B0609020204030204" pitchFamily="49" charset="0"/>
-              </a:rPr>
-              <a:t>var</a:t>
-            </a:r>
-            <a:r>
-              <a:rPr lang="en-US" sz="2000" b="0" dirty="0" smtClean="0">
+              <a:t> </a:t>
+            </a:r>
+            <a:r>
+              <a:rPr lang="en-US" sz="2000" b="0" dirty="0">
+                <a:solidFill>
+                  <a:srgbClr val="268BD2"/>
+                </a:solidFill>
+                <a:effectLst/>
+                <a:latin typeface="Consolas" panose="020B0609020204030204" pitchFamily="49" charset="0"/>
+              </a:rPr>
+              <a:t>result</a:t>
+            </a:r>
+            <a:r>
+              <a:rPr lang="en-US" sz="2000" b="0" dirty="0">
                 <a:solidFill>
                   <a:srgbClr val="333333"/>
                 </a:solidFill>
@@ -3870,92 +3831,65 @@
               <a:t> </a:t>
             </a:r>
             <a:r>
-              <a:rPr lang="en-US" sz="2000" b="0" dirty="0" smtClean="0">
+              <a:rPr lang="en-US" sz="2000" b="0" dirty="0">
+                <a:solidFill>
+                  <a:srgbClr val="859900"/>
+                </a:solidFill>
+                <a:effectLst/>
+                <a:latin typeface="Consolas" panose="020B0609020204030204" pitchFamily="49" charset="0"/>
+              </a:rPr>
+              <a:t>=</a:t>
+            </a:r>
+            <a:r>
+              <a:rPr lang="en-US" sz="2000" b="0" dirty="0">
+                <a:solidFill>
+                  <a:srgbClr val="333333"/>
+                </a:solidFill>
+                <a:effectLst/>
+                <a:latin typeface="Consolas" panose="020B0609020204030204" pitchFamily="49" charset="0"/>
+              </a:rPr>
+              <a:t> </a:t>
+            </a:r>
+            <a:r>
+              <a:rPr lang="en-US" sz="2000" b="0" dirty="0" err="1">
                 <a:solidFill>
                   <a:srgbClr val="268BD2"/>
                 </a:solidFill>
                 <a:effectLst/>
                 <a:latin typeface="Consolas" panose="020B0609020204030204" pitchFamily="49" charset="0"/>
               </a:rPr>
-              <a:t>result</a:t>
-            </a:r>
-            <a:r>
-              <a:rPr lang="en-US" sz="2000" b="0" dirty="0" smtClean="0">
+              <a:t>isChecked</a:t>
+            </a:r>
+            <a:r>
+              <a:rPr lang="en-US" sz="2000" b="0" dirty="0">
                 <a:solidFill>
                   <a:srgbClr val="333333"/>
                 </a:solidFill>
                 <a:effectLst/>
                 <a:latin typeface="Consolas" panose="020B0609020204030204" pitchFamily="49" charset="0"/>
               </a:rPr>
-              <a:t> </a:t>
-            </a:r>
-            <a:r>
-              <a:rPr lang="en-US" sz="2000" b="0" dirty="0" smtClean="0">
-                <a:solidFill>
-                  <a:srgbClr val="859900"/>
-                </a:solidFill>
-                <a:effectLst/>
-                <a:latin typeface="Consolas" panose="020B0609020204030204" pitchFamily="49" charset="0"/>
-              </a:rPr>
-              <a:t>=</a:t>
-            </a:r>
-            <a:r>
-              <a:rPr lang="en-US" sz="2000" b="0" dirty="0" smtClean="0">
+              <a:t>(</a:t>
+            </a:r>
+            <a:r>
+              <a:rPr lang="en-US" sz="2000" b="0" dirty="0">
+                <a:solidFill>
+                  <a:srgbClr val="D33682"/>
+                </a:solidFill>
+                <a:effectLst/>
+                <a:latin typeface="Consolas" panose="020B0609020204030204" pitchFamily="49" charset="0"/>
+              </a:rPr>
+              <a:t>1</a:t>
+            </a:r>
+            <a:r>
+              <a:rPr lang="en-US" sz="2000" b="0" dirty="0">
                 <a:solidFill>
                   <a:srgbClr val="333333"/>
                 </a:solidFill>
                 <a:effectLst/>
                 <a:latin typeface="Consolas" panose="020B0609020204030204" pitchFamily="49" charset="0"/>
               </a:rPr>
-              <a:t> </a:t>
-            </a:r>
-            <a:r>
-              <a:rPr lang="en-US" sz="2000" b="0" dirty="0" err="1" smtClean="0">
-                <a:solidFill>
-                  <a:srgbClr val="268BD2"/>
-                </a:solidFill>
-                <a:effectLst/>
-                <a:latin typeface="Consolas" panose="020B0609020204030204" pitchFamily="49" charset="0"/>
-              </a:rPr>
-              <a:t>isChecked</a:t>
-            </a:r>
-            <a:r>
-              <a:rPr lang="en-US" sz="2000" b="0" dirty="0" smtClean="0">
-                <a:solidFill>
-                  <a:srgbClr val="333333"/>
-                </a:solidFill>
-                <a:effectLst/>
-                <a:latin typeface="Consolas" panose="020B0609020204030204" pitchFamily="49" charset="0"/>
-              </a:rPr>
-              <a:t>(</a:t>
-            </a:r>
-            <a:r>
-              <a:rPr lang="en-US" sz="2000" b="0" dirty="0" smtClean="0">
-                <a:solidFill>
-                  <a:srgbClr val="D33682"/>
-                </a:solidFill>
-                <a:effectLst/>
-                <a:latin typeface="Consolas" panose="020B0609020204030204" pitchFamily="49" charset="0"/>
-              </a:rPr>
-              <a:t>1</a:t>
-            </a:r>
-            <a:r>
-              <a:rPr lang="en-US" sz="2000" b="0" dirty="0" smtClean="0">
-                <a:solidFill>
-                  <a:srgbClr val="333333"/>
-                </a:solidFill>
-                <a:effectLst/>
-                <a:latin typeface="Consolas" panose="020B0609020204030204" pitchFamily="49" charset="0"/>
-              </a:rPr>
               <a:t>);</a:t>
             </a:r>
-            <a:endParaRPr lang="en-US" sz="2000" b="0" dirty="0">
-              <a:solidFill>
-                <a:srgbClr val="333333"/>
-              </a:solidFill>
-              <a:effectLst/>
-              <a:latin typeface="Consolas" panose="020B0609020204030204" pitchFamily="49" charset="0"/>
-            </a:endParaRPr>
           </a:p>
         </p:txBody>
       </p:sp>
@@ -3981,7 +3915,7 @@
           <a:lstStyle/>
           <a:p>
             <a:r>
-              <a:rPr lang="ru-RU" sz="2400" dirty="0" smtClean="0">
+              <a:rPr lang="ru-RU" sz="2400" dirty="0">
                 <a:solidFill>
                   <a:srgbClr val="FF0000"/>
                 </a:solidFill>
@@ -3989,7 +3923,7 @@
               <a:t>Сам по себе </a:t>
             </a:r>
             <a:r>
-              <a:rPr lang="en-US" sz="2400" dirty="0" err="1" smtClean="0">
+              <a:rPr lang="en-US" sz="2400" dirty="0" err="1">
                 <a:solidFill>
                   <a:srgbClr val="FF0000"/>
                 </a:solidFill>
@@ -3997,7 +3931,7 @@
               <a:t>eval</a:t>
             </a:r>
             <a:r>
-              <a:rPr lang="en-US" sz="2400" dirty="0" smtClean="0">
+              <a:rPr lang="en-US" sz="2400" dirty="0">
                 <a:solidFill>
                   <a:srgbClr val="FF0000"/>
                 </a:solidFill>
@@ -4005,7 +3939,7 @@
               <a:t> </a:t>
             </a:r>
             <a:r>
-              <a:rPr lang="ru-RU" sz="2400" dirty="0" smtClean="0">
+              <a:rPr lang="ru-RU" sz="2400" dirty="0">
                 <a:solidFill>
                   <a:srgbClr val="FF0000"/>
                 </a:solidFill>
@@ -4013,7 +3947,7 @@
               <a:t>не опаснее чем </a:t>
             </a:r>
             <a:r>
-              <a:rPr lang="en-US" sz="2400" dirty="0" err="1" smtClean="0">
+              <a:rPr lang="en-US" sz="2400" dirty="0" err="1">
                 <a:solidFill>
                   <a:srgbClr val="FF0000"/>
                 </a:solidFill>
@@ -4021,7 +3955,7 @@
               <a:t>devtools</a:t>
             </a:r>
             <a:r>
-              <a:rPr lang="ru-RU" sz="2400" dirty="0" smtClean="0">
+              <a:rPr lang="ru-RU" sz="2400" dirty="0">
                 <a:solidFill>
                   <a:srgbClr val="FF0000"/>
                 </a:solidFill>
@@ -4031,18 +3965,13 @@
           </a:p>
           <a:p>
             <a:r>
-              <a:rPr lang="ru-RU" sz="2400" dirty="0" smtClean="0">
+              <a:rPr lang="ru-RU" sz="2400" dirty="0">
                 <a:solidFill>
                   <a:srgbClr val="FF0000"/>
                 </a:solidFill>
               </a:rPr>
               <a:t>Но он позволяет легко создавать опасные ситуации.</a:t>
             </a:r>
-            <a:endParaRPr lang="ru-RU" sz="2400" dirty="0">
-              <a:solidFill>
-                <a:srgbClr val="FF0000"/>
-              </a:solidFill>
-            </a:endParaRPr>
           </a:p>
         </p:txBody>
       </p:sp>
@@ -4262,10 +4191,9 @@
           <a:lstStyle/>
           <a:p>
             <a:r>
-              <a:rPr lang="ru-RU" dirty="0" smtClean="0"/>
+              <a:rPr lang="ru-RU" dirty="0"/>
               <a:t>Отладка</a:t>
             </a:r>
-            <a:endParaRPr lang="ru-RU" dirty="0"/>
           </a:p>
         </p:txBody>
       </p:sp>
@@ -4288,27 +4216,27 @@
               <a:buNone/>
             </a:pPr>
             <a:r>
-              <a:rPr lang="ru-RU" dirty="0" smtClean="0"/>
+              <a:rPr lang="ru-RU" dirty="0"/>
               <a:t>Раньше отладка кода </a:t>
             </a:r>
             <a:r>
-              <a:rPr lang="ru-RU" dirty="0" err="1" smtClean="0"/>
+              <a:rPr lang="ru-RU" dirty="0" err="1"/>
               <a:t>внтури</a:t>
             </a:r>
             <a:r>
-              <a:rPr lang="ru-RU" dirty="0" smtClean="0"/>
+              <a:rPr lang="ru-RU" dirty="0"/>
               <a:t> </a:t>
             </a:r>
             <a:r>
-              <a:rPr lang="en-US" dirty="0" err="1" smtClean="0"/>
+              <a:rPr lang="en-US" dirty="0" err="1"/>
               <a:t>eval</a:t>
             </a:r>
             <a:r>
-              <a:rPr lang="en-US" dirty="0" smtClean="0"/>
+              <a:rPr lang="en-US" dirty="0"/>
               <a:t> </a:t>
             </a:r>
             <a:r>
-              <a:rPr lang="ru-RU" dirty="0" smtClean="0"/>
+              <a:rPr lang="ru-RU" dirty="0"/>
               <a:t>была не возможна.</a:t>
             </a:r>
           </a:p>
@@ -4317,7 +4245,7 @@
               <a:buNone/>
             </a:pPr>
             <a:r>
-              <a:rPr lang="ru-RU" dirty="0" smtClean="0"/>
+              <a:rPr lang="ru-RU" dirty="0"/>
               <a:t>Сейчас большинство современных браузеров позволяют его отлаживать, но содержимое кода будет доступно для браузера только в момент его выполнения. </a:t>
             </a:r>
             <a:endParaRPr lang="en-US" dirty="0"/>
@@ -4364,13 +4292,6 @@
   <p:clrMapOvr>
     <a:masterClrMapping/>
   </p:clrMapOvr>
-  <p:timing>
-    <p:tnLst>
-      <p:par>
-        <p:cTn id="1" dur="indefinite" restart="never" nodeType="tmRoot"/>
-      </p:par>
-    </p:tnLst>
-  </p:timing>
 </p:sld>
 </file>
 
@@ -4407,10 +4328,9 @@
           <a:lstStyle/>
           <a:p>
             <a:r>
-              <a:rPr lang="ru-RU" dirty="0" smtClean="0"/>
+              <a:rPr lang="ru-RU" dirty="0"/>
               <a:t>Быстродействие</a:t>
             </a:r>
-            <a:endParaRPr lang="ru-RU" dirty="0"/>
           </a:p>
         </p:txBody>
       </p:sp>
@@ -4440,19 +4360,19 @@
               <a:buNone/>
             </a:pPr>
             <a:r>
-              <a:rPr lang="en-US" dirty="0" err="1" smtClean="0"/>
+              <a:rPr lang="en-US" dirty="0" err="1"/>
               <a:t>Eval</a:t>
             </a:r>
             <a:r>
-              <a:rPr lang="en-US" dirty="0" smtClean="0"/>
+              <a:rPr lang="en-US" dirty="0"/>
               <a:t> </a:t>
             </a:r>
             <a:r>
-              <a:rPr lang="ru-RU" dirty="0" smtClean="0"/>
+              <a:rPr lang="ru-RU" dirty="0"/>
               <a:t>делает код </a:t>
             </a:r>
             <a:r>
-              <a:rPr lang="ru-RU" b="1" i="1" u="sng" dirty="0" smtClean="0">
+              <a:rPr lang="ru-RU" b="1" i="1" u="sng" dirty="0">
                 <a:solidFill>
                   <a:srgbClr val="FF0000"/>
                 </a:solidFill>
@@ -4460,7 +4380,7 @@
               <a:t>непредсказуемым</a:t>
             </a:r>
             <a:r>
-              <a:rPr lang="ru-RU" dirty="0" smtClean="0"/>
+              <a:rPr lang="ru-RU" dirty="0"/>
               <a:t> для браузера! </a:t>
             </a:r>
           </a:p>
@@ -4468,30 +4388,30 @@
             <a:pPr marL="0" indent="0">
               <a:buNone/>
             </a:pPr>
-            <a:endParaRPr lang="ru-RU" dirty="0" smtClean="0"/>
+            <a:endParaRPr lang="ru-RU" dirty="0"/>
           </a:p>
           <a:p>
             <a:pPr marL="0" indent="0">
               <a:buNone/>
             </a:pPr>
             <a:r>
-              <a:rPr lang="ru-RU" dirty="0" smtClean="0"/>
+              <a:rPr lang="ru-RU" dirty="0"/>
               <a:t>Зачастую браузер вынужден компилировать код внутри </a:t>
             </a:r>
             <a:r>
-              <a:rPr lang="en-US" dirty="0" err="1" smtClean="0"/>
+              <a:rPr lang="en-US" dirty="0" err="1"/>
               <a:t>eval</a:t>
             </a:r>
             <a:r>
-              <a:rPr lang="en-US" dirty="0" smtClean="0"/>
+              <a:rPr lang="en-US" dirty="0"/>
               <a:t> </a:t>
             </a:r>
             <a:r>
-              <a:rPr lang="ru-RU" dirty="0" smtClean="0"/>
+              <a:rPr lang="ru-RU" dirty="0"/>
               <a:t>каждый раз заново, что сильно влияет на быстродействие (особенно в старых браузерах).</a:t>
             </a:r>
             <a:br>
-              <a:rPr lang="ru-RU" dirty="0" smtClean="0"/>
+              <a:rPr lang="ru-RU" dirty="0"/>
             </a:br>
             <a:endParaRPr lang="en-US" dirty="0"/>
           </a:p>
@@ -4507,13 +4427,6 @@
   <p:clrMapOvr>
     <a:masterClrMapping/>
   </p:clrMapOvr>
-  <p:timing>
-    <p:tnLst>
-      <p:par>
-        <p:cTn id="1" dur="indefinite" restart="never" nodeType="tmRoot"/>
-      </p:par>
-    </p:tnLst>
-  </p:timing>
 </p:sld>
 </file>
 
@@ -4550,10 +4463,9 @@
           <a:lstStyle/>
           <a:p>
             <a:r>
-              <a:rPr lang="ru-RU" dirty="0" smtClean="0"/>
+              <a:rPr lang="ru-RU" dirty="0"/>
               <a:t>Оптимизация</a:t>
             </a:r>
-            <a:endParaRPr lang="ru-RU" dirty="0"/>
           </a:p>
         </p:txBody>
       </p:sp>
@@ -4581,23 +4493,23 @@
               <a:buNone/>
             </a:pPr>
             <a:r>
-              <a:rPr lang="en-US" dirty="0" err="1" smtClean="0"/>
+              <a:rPr lang="en-US" dirty="0" err="1"/>
               <a:t>Eval</a:t>
             </a:r>
             <a:r>
-              <a:rPr lang="en-US" dirty="0" smtClean="0"/>
+              <a:rPr lang="en-US" dirty="0"/>
               <a:t> </a:t>
             </a:r>
             <a:r>
-              <a:rPr lang="ru-RU" dirty="0" smtClean="0"/>
+              <a:rPr lang="ru-RU" dirty="0"/>
               <a:t>не позволяет </a:t>
             </a:r>
             <a:r>
-              <a:rPr lang="ru-RU" dirty="0" err="1" smtClean="0"/>
+              <a:rPr lang="ru-RU" dirty="0" err="1"/>
               <a:t>минификаторам</a:t>
             </a:r>
             <a:r>
-              <a:rPr lang="ru-RU" dirty="0" smtClean="0"/>
+              <a:rPr lang="ru-RU" dirty="0"/>
               <a:t> сокращать имена переменных и функций, к которым имеет доступ.</a:t>
             </a:r>
           </a:p>
@@ -4612,19 +4524,19 @@
               <a:buNone/>
             </a:pPr>
             <a:r>
-              <a:rPr lang="ru-RU" dirty="0" smtClean="0"/>
+              <a:rPr lang="ru-RU" dirty="0"/>
               <a:t>Но часть </a:t>
             </a:r>
             <a:r>
-              <a:rPr lang="ru-RU" dirty="0" err="1" smtClean="0"/>
+              <a:rPr lang="ru-RU" dirty="0" err="1"/>
               <a:t>минификаторов</a:t>
             </a:r>
             <a:r>
-              <a:rPr lang="ru-RU" dirty="0" smtClean="0"/>
+              <a:rPr lang="ru-RU" dirty="0"/>
               <a:t> </a:t>
             </a:r>
             <a:r>
-              <a:rPr lang="ru-RU" dirty="0" smtClean="0">
+              <a:rPr lang="ru-RU" dirty="0">
                 <a:solidFill>
                   <a:srgbClr val="FF0000"/>
                 </a:solidFill>
@@ -4632,26 +4544,25 @@
               <a:t>ВСЕ РАВНО ДЕЛАЮТ ЭТО </a:t>
             </a:r>
             <a:r>
-              <a:rPr lang="ru-RU" dirty="0" smtClean="0"/>
+              <a:rPr lang="ru-RU" dirty="0"/>
               <a:t>(</a:t>
             </a:r>
             <a:r>
-              <a:rPr lang="en-US" dirty="0" smtClean="0"/>
+              <a:rPr lang="en-US" dirty="0"/>
               <a:t>Closure Compiler</a:t>
             </a:r>
             <a:r>
-              <a:rPr lang="ru-RU" dirty="0" smtClean="0"/>
+              <a:rPr lang="ru-RU" dirty="0"/>
               <a:t>, </a:t>
             </a:r>
             <a:r>
-              <a:rPr lang="en-US" dirty="0" err="1" smtClean="0"/>
+              <a:rPr lang="en-US" dirty="0" err="1"/>
               <a:t>UglifyJS</a:t>
             </a:r>
             <a:r>
-              <a:rPr lang="ru-RU" dirty="0" smtClean="0"/>
+              <a:rPr lang="ru-RU" dirty="0"/>
               <a:t>).</a:t>
             </a:r>
-            <a:endParaRPr lang="ru-RU" dirty="0"/>
           </a:p>
         </p:txBody>
       </p:sp>
@@ -4665,13 +4576,6 @@
   <p:clrMapOvr>
     <a:masterClrMapping/>
   </p:clrMapOvr>
-  <p:timing>
-    <p:tnLst>
-      <p:par>
-        <p:cTn id="1" dur="indefinite" restart="never" nodeType="tmRoot"/>
-      </p:par>
-    </p:tnLst>
-  </p:timing>
 </p:sld>
 </file>
 
@@ -4708,18 +4612,17 @@
           <a:lstStyle/>
           <a:p>
             <a:r>
-              <a:rPr lang="en-US" dirty="0" err="1" smtClean="0"/>
+              <a:rPr lang="en-US" dirty="0" err="1"/>
               <a:t>Eval</a:t>
             </a:r>
             <a:r>
-              <a:rPr lang="en-US" dirty="0" smtClean="0"/>
+              <a:rPr lang="en-US" dirty="0"/>
               <a:t> </a:t>
             </a:r>
             <a:r>
-              <a:rPr lang="ru-RU" dirty="0" smtClean="0"/>
+              <a:rPr lang="ru-RU" dirty="0"/>
               <a:t>где-то рядом…</a:t>
             </a:r>
-            <a:endParaRPr lang="ru-RU" dirty="0"/>
           </a:p>
         </p:txBody>
       </p:sp>
@@ -4747,11 +4650,11 @@
               <a:buNone/>
             </a:pPr>
             <a:r>
-              <a:rPr lang="ru-RU" dirty="0" smtClean="0"/>
+              <a:rPr lang="ru-RU" dirty="0"/>
               <a:t>Вы уже </a:t>
             </a:r>
             <a:r>
-              <a:rPr lang="ru-RU" dirty="0" smtClean="0">
+              <a:rPr lang="ru-RU" dirty="0">
                 <a:solidFill>
                   <a:srgbClr val="FF0000"/>
                 </a:solidFill>
@@ -4759,15 +4662,15 @@
               <a:t>используете</a:t>
             </a:r>
             <a:r>
-              <a:rPr lang="ru-RU" dirty="0" smtClean="0"/>
+              <a:rPr lang="ru-RU" dirty="0"/>
               <a:t> </a:t>
             </a:r>
             <a:r>
-              <a:rPr lang="en-US" dirty="0" err="1" smtClean="0"/>
+              <a:rPr lang="en-US" dirty="0" err="1"/>
               <a:t>eval</a:t>
             </a:r>
             <a:r>
-              <a:rPr lang="en-US" dirty="0" smtClean="0"/>
+              <a:rPr lang="en-US" dirty="0"/>
               <a:t>! </a:t>
             </a:r>
             <a:endParaRPr lang="ru-RU" dirty="0"/>
@@ -4989,15 +4892,15 @@
               <a:buNone/>
             </a:pPr>
             <a:r>
-              <a:rPr lang="ru-RU" sz="1800" i="1" dirty="0" smtClean="0"/>
+              <a:rPr lang="ru-RU" sz="1800" i="1" dirty="0"/>
               <a:t>Исходный код метода </a:t>
             </a:r>
             <a:r>
-              <a:rPr lang="en-US" sz="1800" i="1" dirty="0" err="1" smtClean="0"/>
+              <a:rPr lang="en-US" sz="1800" i="1" dirty="0" err="1"/>
               <a:t>JSON.parse</a:t>
             </a:r>
             <a:r>
-              <a:rPr lang="en-US" sz="1800" i="1" dirty="0" smtClean="0"/>
+              <a:rPr lang="en-US" sz="1800" i="1" dirty="0"/>
               <a:t>()</a:t>
             </a:r>
             <a:endParaRPr lang="ru-RU" sz="1800" i="1" dirty="0"/>
@@ -5194,7 +5097,7 @@
               <a:buNone/>
             </a:pPr>
             <a:r>
-              <a:rPr lang="en-US" sz="1800" dirty="0" smtClean="0">
+              <a:rPr lang="en-US" sz="1800" dirty="0">
                 <a:hlinkClick r:id="rId3"/>
               </a:rPr>
               <a:t>https://github.com/douglascrockford/JSON-js/blob/master/json2.js</a:t>
@@ -5213,13 +5116,6 @@
   <p:clrMapOvr>
     <a:masterClrMapping/>
   </p:clrMapOvr>
-  <p:timing>
-    <p:tnLst>
-      <p:par>
-        <p:cTn id="1" dur="indefinite" restart="never" nodeType="tmRoot"/>
-      </p:par>
-    </p:tnLst>
-  </p:timing>
 </p:sld>
 </file>
 
@@ -5261,18 +5157,17 @@
           <a:lstStyle/>
           <a:p>
             <a:r>
-              <a:rPr lang="ru-RU" dirty="0" smtClean="0"/>
+              <a:rPr lang="ru-RU" dirty="0"/>
               <a:t>Почему не используем </a:t>
             </a:r>
             <a:r>
-              <a:rPr lang="en-US" dirty="0" err="1" smtClean="0"/>
+              <a:rPr lang="en-US" dirty="0" err="1"/>
               <a:t>eval</a:t>
             </a:r>
             <a:r>
-              <a:rPr lang="ru-RU" dirty="0" smtClean="0"/>
+              <a:rPr lang="ru-RU" dirty="0"/>
               <a:t>?</a:t>
             </a:r>
-            <a:endParaRPr lang="ru-RU" dirty="0"/>
           </a:p>
         </p:txBody>
       </p:sp>
@@ -5298,15 +5193,15 @@
           <a:lstStyle/>
           <a:p>
             <a:r>
-              <a:rPr lang="en-US" sz="6000" dirty="0" err="1" smtClean="0"/>
+              <a:rPr lang="en-US" sz="6000" dirty="0" err="1"/>
               <a:t>Eval</a:t>
             </a:r>
             <a:r>
-              <a:rPr lang="en-US" sz="6000" dirty="0" smtClean="0"/>
+              <a:rPr lang="en-US" sz="6000" dirty="0"/>
               <a:t> </a:t>
             </a:r>
             <a:r>
-              <a:rPr lang="ru-RU" sz="6000" dirty="0" smtClean="0">
+              <a:rPr lang="ru-RU" sz="6000" dirty="0">
                 <a:solidFill>
                   <a:srgbClr val="FF0000"/>
                 </a:solidFill>
@@ -5314,10 +5209,9 @@
               <a:t>не нужен </a:t>
             </a:r>
             <a:r>
-              <a:rPr lang="ru-RU" sz="6000" dirty="0" smtClean="0"/>
+              <a:rPr lang="ru-RU" sz="6000" dirty="0"/>
               <a:t>в 99.9(9)% случаев</a:t>
             </a:r>
-            <a:endParaRPr lang="ru-RU" sz="6000" dirty="0"/>
           </a:p>
         </p:txBody>
       </p:sp>
@@ -5351,18 +5245,17 @@
               <a:t> </a:t>
             </a:r>
             <a:r>
-              <a:rPr lang="ru-RU" sz="6000" dirty="0" smtClean="0"/>
+              <a:rPr lang="ru-RU" sz="6000" dirty="0"/>
               <a:t>!</a:t>
             </a:r>
             <a:r>
-              <a:rPr lang="en-US" sz="6000" dirty="0" smtClean="0"/>
+              <a:rPr lang="en-US" sz="6000" dirty="0"/>
               <a:t>= Evil</a:t>
             </a:r>
             <a:r>
-              <a:rPr lang="ru-RU" sz="6000" dirty="0" smtClean="0"/>
+              <a:rPr lang="ru-RU" sz="6000" dirty="0"/>
               <a:t> </a:t>
             </a:r>
-            <a:endParaRPr lang="ru-RU" sz="6000" dirty="0"/>
           </a:p>
         </p:txBody>
       </p:sp>
@@ -5379,9 +5272,126 @@
   <p:timing>
     <p:tnLst>
       <p:par>
-        <p:cTn id="1" dur="indefinite" restart="never" nodeType="tmRoot"/>
+        <p:cTn id="1" dur="indefinite" restart="never" nodeType="tmRoot">
+          <p:childTnLst>
+            <p:seq concurrent="1" nextAc="seek">
+              <p:cTn id="2" dur="indefinite" nodeType="mainSeq">
+                <p:childTnLst>
+                  <p:par>
+                    <p:cTn id="3" fill="hold">
+                      <p:stCondLst>
+                        <p:cond delay="indefinite"/>
+                      </p:stCondLst>
+                      <p:childTnLst>
+                        <p:par>
+                          <p:cTn id="4" fill="hold">
+                            <p:stCondLst>
+                              <p:cond delay="0"/>
+                            </p:stCondLst>
+                            <p:childTnLst>
+                              <p:par>
+                                <p:cTn id="5" presetID="1" presetClass="entr" presetSubtype="0" fill="hold" grpId="0" nodeType="clickEffect">
+                                  <p:stCondLst>
+                                    <p:cond delay="0"/>
+                                  </p:stCondLst>
+                                  <p:childTnLst>
+                                    <p:set>
+                                      <p:cBhvr>
+                                        <p:cTn id="6" dur="1" fill="hold">
+                                          <p:stCondLst>
+                                            <p:cond delay="0"/>
+                                          </p:stCondLst>
+                                        </p:cTn>
+                                        <p:tgtEl>
+                                          <p:spTgt spid="5"/>
+                                        </p:tgtEl>
+                                        <p:attrNameLst>
+                                          <p:attrName>style.visibility</p:attrName>
+                                        </p:attrNameLst>
+                                      </p:cBhvr>
+                                      <p:to>
+                                        <p:strVal val="visible"/>
+                                      </p:to>
+                                    </p:set>
+                                  </p:childTnLst>
+                                </p:cTn>
+                              </p:par>
+                            </p:childTnLst>
+                          </p:cTn>
+                        </p:par>
+                      </p:childTnLst>
+                    </p:cTn>
+                  </p:par>
+                  <p:par>
+                    <p:cTn id="7" fill="hold">
+                      <p:stCondLst>
+                        <p:cond delay="indefinite"/>
+                      </p:stCondLst>
+                      <p:childTnLst>
+                        <p:par>
+                          <p:cTn id="8" fill="hold">
+                            <p:stCondLst>
+                              <p:cond delay="0"/>
+                            </p:stCondLst>
+                            <p:childTnLst>
+                              <p:par>
+                                <p:cTn id="9" presetID="1" presetClass="entr" presetSubtype="0" fill="hold" grpId="0" nodeType="clickEffect">
+                                  <p:stCondLst>
+                                    <p:cond delay="0"/>
+                                  </p:stCondLst>
+                                  <p:childTnLst>
+                                    <p:set>
+                                      <p:cBhvr>
+                                        <p:cTn id="10" dur="1" fill="hold">
+                                          <p:stCondLst>
+                                            <p:cond delay="0"/>
+                                          </p:stCondLst>
+                                        </p:cTn>
+                                        <p:tgtEl>
+                                          <p:spTgt spid="4"/>
+                                        </p:tgtEl>
+                                        <p:attrNameLst>
+                                          <p:attrName>style.visibility</p:attrName>
+                                        </p:attrNameLst>
+                                      </p:cBhvr>
+                                      <p:to>
+                                        <p:strVal val="visible"/>
+                                      </p:to>
+                                    </p:set>
+                                  </p:childTnLst>
+                                </p:cTn>
+                              </p:par>
+                            </p:childTnLst>
+                          </p:cTn>
+                        </p:par>
+                      </p:childTnLst>
+                    </p:cTn>
+                  </p:par>
+                </p:childTnLst>
+              </p:cTn>
+              <p:prevCondLst>
+                <p:cond evt="onPrev" delay="0">
+                  <p:tgtEl>
+                    <p:sldTgt/>
+                  </p:tgtEl>
+                </p:cond>
+              </p:prevCondLst>
+              <p:nextCondLst>
+                <p:cond evt="onNext" delay="0">
+                  <p:tgtEl>
+                    <p:sldTgt/>
+                  </p:tgtEl>
+                </p:cond>
+              </p:nextCondLst>
+            </p:seq>
+          </p:childTnLst>
+        </p:cTn>
       </p:par>
     </p:tnLst>
+    <p:bldLst>
+      <p:bldP spid="4" grpId="0"/>
+      <p:bldP spid="5" grpId="0"/>
+    </p:bldLst>
   </p:timing>
 </p:sld>
 </file>
